--- a/Design/HLD_Design/Project_OAK_Draft.pptx
+++ b/Design/HLD_Design/Project_OAK_Draft.pptx
@@ -215,7 +215,7 @@
             <a:fld id="{80BF9A0C-5C43-49E1-BDB4-4396845E20E8}" type="datetimeFigureOut">
               <a:rPr lang="en-US" smtClean="0"/>
               <a:pPr/>
-              <a:t>7/21/2024</a:t>
+              <a:t>9/1/2024</a:t>
             </a:fld>
             <a:endParaRPr lang="en-IN"/>
           </a:p>
@@ -827,7 +827,7 @@
             <a:fld id="{58C583BC-C17B-4A11-BE14-DE3C9C2B222C}" type="datetime1">
               <a:rPr lang="en-US" smtClean="0"/>
               <a:pPr/>
-              <a:t>7/21/2024</a:t>
+              <a:t>9/1/2024</a:t>
             </a:fld>
             <a:endParaRPr lang="en-US"/>
           </a:p>
@@ -1420,7 +1420,7 @@
             <a:fld id="{B1EFFD99-0C14-4CF1-8AEB-0121A51B05BA}" type="datetime1">
               <a:rPr lang="en-US" smtClean="0"/>
               <a:pPr/>
-              <a:t>7/21/2024</a:t>
+              <a:t>9/1/2024</a:t>
             </a:fld>
             <a:endParaRPr lang="en-US"/>
           </a:p>
@@ -1909,7 +1909,7 @@
             <a:fld id="{B62DE450-3731-4FAA-B1A4-262C0CF065F4}" type="datetime1">
               <a:rPr lang="en-US" smtClean="0"/>
               <a:pPr/>
-              <a:t>7/21/2024</a:t>
+              <a:t>9/1/2024</a:t>
             </a:fld>
             <a:endParaRPr lang="en-US"/>
           </a:p>
@@ -2183,7 +2183,7 @@
             <a:fld id="{E21FA8B8-9644-43E1-9176-EA7D5ECBE882}" type="datetime1">
               <a:rPr lang="en-US" smtClean="0"/>
               <a:pPr/>
-              <a:t>7/21/2024</a:t>
+              <a:t>9/1/2024</a:t>
             </a:fld>
             <a:endParaRPr lang="en-US"/>
           </a:p>
@@ -2563,7 +2563,7 @@
             <a:fld id="{5418BCC3-C6D4-4487-976F-7CEA13B866D2}" type="datetime1">
               <a:rPr lang="en-US" smtClean="0"/>
               <a:pPr/>
-              <a:t>7/21/2024</a:t>
+              <a:t>9/1/2024</a:t>
             </a:fld>
             <a:endParaRPr lang="en-US"/>
           </a:p>
@@ -3049,7 +3049,7 @@
             <a:fld id="{8A78F357-C25C-430B-B354-1E99D4CDD541}" type="datetime1">
               <a:rPr lang="en-US" smtClean="0"/>
               <a:pPr/>
-              <a:t>7/21/2024</a:t>
+              <a:t>9/1/2024</a:t>
             </a:fld>
             <a:endParaRPr lang="en-US"/>
           </a:p>
@@ -3235,7 +3235,7 @@
             <a:fld id="{59505BE4-8205-4DD8-B4EA-9C3050254A24}" type="datetime1">
               <a:rPr lang="en-US" smtClean="0"/>
               <a:pPr/>
-              <a:t>7/21/2024</a:t>
+              <a:t>9/1/2024</a:t>
             </a:fld>
             <a:endParaRPr lang="en-US"/>
           </a:p>
@@ -3358,7 +3358,7 @@
             <a:fld id="{F2C92734-91F3-4440-93F3-9AC1E7002740}" type="datetime1">
               <a:rPr lang="en-US" smtClean="0"/>
               <a:pPr/>
-              <a:t>7/21/2024</a:t>
+              <a:t>9/1/2024</a:t>
             </a:fld>
             <a:endParaRPr lang="en-US"/>
           </a:p>
@@ -3753,7 +3753,7 @@
             <a:fld id="{AFB364C2-CFEF-4FAD-A8E6-3E74B80DE2EF}" type="datetime1">
               <a:rPr lang="en-US" smtClean="0"/>
               <a:pPr/>
-              <a:t>7/21/2024</a:t>
+              <a:t>9/1/2024</a:t>
             </a:fld>
             <a:endParaRPr lang="en-US"/>
           </a:p>
@@ -4062,7 +4062,7 @@
             <a:fld id="{71DBFAED-D7CA-4D7C-A019-B8282F53EEDF}" type="datetime1">
               <a:rPr lang="en-US" smtClean="0"/>
               <a:pPr/>
-              <a:t>7/21/2024</a:t>
+              <a:t>9/1/2024</a:t>
             </a:fld>
             <a:endParaRPr lang="en-US"/>
           </a:p>
@@ -4327,7 +4327,7 @@
             <a:fld id="{07481C06-B5EC-49F3-A717-B55AB6EFF92B}" type="datetime1">
               <a:rPr lang="en-US" smtClean="0"/>
               <a:pPr/>
-              <a:t>7/21/2024</a:t>
+              <a:t>9/1/2024</a:t>
             </a:fld>
             <a:endParaRPr lang="en-US"/>
           </a:p>
@@ -4766,23 +4766,7 @@
                   <a:schemeClr val="tx1"/>
                 </a:solidFill>
               </a:rPr>
-              <a:t>Date: </a:t>
-            </a:r>
-            <a:r>
-              <a:rPr lang="en-IN" sz="1400" b="1" dirty="0" smtClean="0">
-                <a:solidFill>
-                  <a:schemeClr val="tx1"/>
-                </a:solidFill>
-              </a:rPr>
-              <a:t>21</a:t>
-            </a:r>
-            <a:r>
-              <a:rPr lang="en-IN" sz="1400" b="1" dirty="0" smtClean="0">
-                <a:solidFill>
-                  <a:schemeClr val="tx1"/>
-                </a:solidFill>
-              </a:rPr>
-              <a:t>/07/2024</a:t>
+              <a:t>Date: 21/07/2024</a:t>
             </a:r>
             <a:endParaRPr lang="en-IN" sz="1400" b="1" dirty="0">
               <a:solidFill>
@@ -5432,7 +5416,7 @@
             <a:fld id="{B62DE450-3731-4FAA-B1A4-262C0CF065F4}" type="datetime1">
               <a:rPr lang="en-US" smtClean="0"/>
               <a:pPr/>
-              <a:t>7/21/2024</a:t>
+              <a:t>9/1/2024</a:t>
             </a:fld>
             <a:endParaRPr lang="en-US"/>
           </a:p>
@@ -11900,7 +11884,7 @@
             <a:fld id="{B62DE450-3731-4FAA-B1A4-262C0CF065F4}" type="datetime1">
               <a:rPr lang="en-US" smtClean="0"/>
               <a:pPr/>
-              <a:t>7/21/2024</a:t>
+              <a:t>9/1/2024</a:t>
             </a:fld>
             <a:endParaRPr lang="en-US"/>
           </a:p>
@@ -18472,7 +18456,7 @@
             <a:fld id="{B62DE450-3731-4FAA-B1A4-262C0CF065F4}" type="datetime1">
               <a:rPr lang="en-US" smtClean="0"/>
               <a:pPr/>
-              <a:t>7/21/2024</a:t>
+              <a:t>9/1/2024</a:t>
             </a:fld>
             <a:endParaRPr lang="en-US"/>
           </a:p>
@@ -20430,7 +20414,7 @@
             <a:fld id="{B62DE450-3731-4FAA-B1A4-262C0CF065F4}" type="datetime1">
               <a:rPr lang="en-US" smtClean="0"/>
               <a:pPr/>
-              <a:t>7/21/2024</a:t>
+              <a:t>9/1/2024</a:t>
             </a:fld>
             <a:endParaRPr lang="en-US"/>
           </a:p>
@@ -21650,11 +21634,7 @@
             <a:pPr algn="ctr"/>
             <a:r>
               <a:rPr lang="en-IN" b="1" dirty="0" smtClean="0"/>
-              <a:t>Layer </a:t>
-            </a:r>
-            <a:r>
-              <a:rPr lang="en-IN" b="1" dirty="0" smtClean="0"/>
-              <a:t>4</a:t>
+              <a:t>Layer 4</a:t>
             </a:r>
             <a:endParaRPr lang="en-IN" b="1" dirty="0"/>
           </a:p>
@@ -22082,11 +22062,7 @@
           <a:p>
             <a:r>
               <a:rPr lang="en-IN" sz="1100" dirty="0" smtClean="0"/>
-              <a:t>Slots for </a:t>
-            </a:r>
-            <a:r>
-              <a:rPr lang="en-IN" sz="1100" dirty="0" smtClean="0"/>
-              <a:t>LED projection</a:t>
+              <a:t>Slots for LED projection</a:t>
             </a:r>
             <a:endParaRPr lang="en-IN" sz="1100" dirty="0"/>
           </a:p>
@@ -23007,7 +22983,7 @@
             <a:fld id="{B62DE450-3731-4FAA-B1A4-262C0CF065F4}" type="datetime1">
               <a:rPr lang="en-US" smtClean="0"/>
               <a:pPr/>
-              <a:t>7/21/2024</a:t>
+              <a:t>9/1/2024</a:t>
             </a:fld>
             <a:endParaRPr lang="en-US"/>
           </a:p>
@@ -27664,7 +27640,7 @@
             <a:fld id="{B62DE450-3731-4FAA-B1A4-262C0CF065F4}" type="datetime1">
               <a:rPr lang="en-US" smtClean="0"/>
               <a:pPr/>
-              <a:t>7/21/2024</a:t>
+              <a:t>9/1/2024</a:t>
             </a:fld>
             <a:endParaRPr lang="en-US"/>
           </a:p>
@@ -28959,11 +28935,7 @@
             <a:pPr algn="ctr"/>
             <a:r>
               <a:rPr lang="en-IN" b="1" dirty="0" smtClean="0"/>
-              <a:t>Layer </a:t>
-            </a:r>
-            <a:r>
-              <a:rPr lang="en-IN" b="1" dirty="0" smtClean="0"/>
-              <a:t>6 &amp; 7</a:t>
+              <a:t>Layer 6 &amp; 7</a:t>
             </a:r>
             <a:endParaRPr lang="en-IN" b="1" dirty="0"/>
           </a:p>
@@ -30037,7 +30009,7 @@
             <a:fld id="{B62DE450-3731-4FAA-B1A4-262C0CF065F4}" type="datetime1">
               <a:rPr lang="en-US" smtClean="0"/>
               <a:pPr/>
-              <a:t>7/21/2024</a:t>
+              <a:t>9/1/2024</a:t>
             </a:fld>
             <a:endParaRPr lang="en-US"/>
           </a:p>
@@ -32344,7 +32316,7 @@
             <a:fld id="{B62DE450-3731-4FAA-B1A4-262C0CF065F4}" type="datetime1">
               <a:rPr lang="en-US" smtClean="0"/>
               <a:pPr/>
-              <a:t>7/21/2024</a:t>
+              <a:t>9/1/2024</a:t>
             </a:fld>
             <a:endParaRPr lang="en-US"/>
           </a:p>
@@ -34960,7 +34932,7 @@
             <a:fld id="{B62DE450-3731-4FAA-B1A4-262C0CF065F4}" type="datetime1">
               <a:rPr lang="en-US" smtClean="0"/>
               <a:pPr/>
-              <a:t>7/21/2024</a:t>
+              <a:t>9/1/2024</a:t>
             </a:fld>
             <a:endParaRPr lang="en-US"/>
           </a:p>
@@ -35328,7 +35300,7 @@
             <a:fld id="{8D12EC46-F5D3-4572-AED1-9CCC8CB80B60}" type="datetime1">
               <a:rPr lang="en-US" smtClean="0"/>
               <a:pPr/>
-              <a:t>7/21/2024</a:t>
+              <a:t>9/1/2024</a:t>
             </a:fld>
             <a:endParaRPr lang="en-US" dirty="0"/>
           </a:p>
@@ -37288,7 +37260,7 @@
             <a:fld id="{B63A4781-F310-40F8-9F7D-B40F8FCBB97D}" type="datetime1">
               <a:rPr lang="en-US" smtClean="0"/>
               <a:pPr/>
-              <a:t>7/21/2024</a:t>
+              <a:t>9/1/2024</a:t>
             </a:fld>
             <a:endParaRPr lang="en-US" dirty="0"/>
           </a:p>
@@ -37424,7 +37396,7 @@
             <a:fld id="{B62DE450-3731-4FAA-B1A4-262C0CF065F4}" type="datetime1">
               <a:rPr lang="en-US" smtClean="0"/>
               <a:pPr/>
-              <a:t>7/21/2024</a:t>
+              <a:t>9/1/2024</a:t>
             </a:fld>
             <a:endParaRPr lang="en-US"/>
           </a:p>
@@ -37724,7 +37696,7 @@
             <a:fld id="{B62DE450-3731-4FAA-B1A4-262C0CF065F4}" type="datetime1">
               <a:rPr lang="en-US" smtClean="0"/>
               <a:pPr/>
-              <a:t>7/21/2024</a:t>
+              <a:t>9/1/2024</a:t>
             </a:fld>
             <a:endParaRPr lang="en-US"/>
           </a:p>
@@ -38182,6 +38154,62 @@
           </a:p>
         </p:txBody>
       </p:sp>
+      <p:sp>
+        <p:nvSpPr>
+          <p:cNvPr id="22" name="Rectangle 21"/>
+          <p:cNvSpPr/>
+          <p:nvPr/>
+        </p:nvSpPr>
+        <p:spPr>
+          <a:xfrm>
+            <a:off x="7286644" y="5143516"/>
+            <a:ext cx="1785950" cy="142876"/>
+          </a:xfrm>
+          <a:prstGeom prst="rect">
+            <a:avLst/>
+          </a:prstGeom>
+          <a:noFill/>
+          <a:ln>
+            <a:noFill/>
+          </a:ln>
+        </p:spPr>
+        <p:style>
+          <a:lnRef idx="2">
+            <a:schemeClr val="accent1">
+              <a:shade val="50000"/>
+            </a:schemeClr>
+          </a:lnRef>
+          <a:fillRef idx="1">
+            <a:schemeClr val="accent1"/>
+          </a:fillRef>
+          <a:effectRef idx="0">
+            <a:schemeClr val="accent1"/>
+          </a:effectRef>
+          <a:fontRef idx="minor">
+            <a:schemeClr val="lt1"/>
+          </a:fontRef>
+        </p:style>
+        <p:txBody>
+          <a:bodyPr rtlCol="0" anchor="ctr"/>
+          <a:lstStyle/>
+          <a:p>
+            <a:pPr algn="ctr"/>
+            <a:r>
+              <a:rPr lang="en-IN" sz="900" dirty="0" smtClean="0">
+                <a:solidFill>
+                  <a:srgbClr val="FF0000"/>
+                </a:solidFill>
+              </a:rPr>
+              <a:t>Image courtesy: Audemars Piguet</a:t>
+            </a:r>
+            <a:endParaRPr lang="en-IN" sz="900" dirty="0">
+              <a:solidFill>
+                <a:srgbClr val="FF0000"/>
+              </a:solidFill>
+            </a:endParaRPr>
+          </a:p>
+        </p:txBody>
+      </p:sp>
     </p:spTree>
   </p:cSld>
   <p:clrMapOvr>
@@ -38295,7 +38323,7 @@
             <a:fld id="{B62DE450-3731-4FAA-B1A4-262C0CF065F4}" type="datetime1">
               <a:rPr lang="en-US" smtClean="0"/>
               <a:pPr/>
-              <a:t>7/21/2024</a:t>
+              <a:t>9/1/2024</a:t>
             </a:fld>
             <a:endParaRPr lang="en-US"/>
           </a:p>
@@ -38613,6 +38641,62 @@
           </a:p>
         </p:txBody>
       </p:sp>
+      <p:sp>
+        <p:nvSpPr>
+          <p:cNvPr id="15" name="Rectangle 14"/>
+          <p:cNvSpPr/>
+          <p:nvPr/>
+        </p:nvSpPr>
+        <p:spPr>
+          <a:xfrm>
+            <a:off x="7286644" y="5143516"/>
+            <a:ext cx="1785950" cy="142876"/>
+          </a:xfrm>
+          <a:prstGeom prst="rect">
+            <a:avLst/>
+          </a:prstGeom>
+          <a:noFill/>
+          <a:ln>
+            <a:noFill/>
+          </a:ln>
+        </p:spPr>
+        <p:style>
+          <a:lnRef idx="2">
+            <a:schemeClr val="accent1">
+              <a:shade val="50000"/>
+            </a:schemeClr>
+          </a:lnRef>
+          <a:fillRef idx="1">
+            <a:schemeClr val="accent1"/>
+          </a:fillRef>
+          <a:effectRef idx="0">
+            <a:schemeClr val="accent1"/>
+          </a:effectRef>
+          <a:fontRef idx="minor">
+            <a:schemeClr val="lt1"/>
+          </a:fontRef>
+        </p:style>
+        <p:txBody>
+          <a:bodyPr rtlCol="0" anchor="ctr"/>
+          <a:lstStyle/>
+          <a:p>
+            <a:pPr algn="ctr"/>
+            <a:r>
+              <a:rPr lang="en-IN" sz="900" dirty="0" smtClean="0">
+                <a:solidFill>
+                  <a:srgbClr val="FF0000"/>
+                </a:solidFill>
+              </a:rPr>
+              <a:t>Image courtesy: Audemars Piguet</a:t>
+            </a:r>
+            <a:endParaRPr lang="en-IN" sz="900" dirty="0">
+              <a:solidFill>
+                <a:srgbClr val="FF0000"/>
+              </a:solidFill>
+            </a:endParaRPr>
+          </a:p>
+        </p:txBody>
+      </p:sp>
     </p:spTree>
   </p:cSld>
   <p:clrMapOvr>
@@ -38771,7 +38855,7 @@
             <a:fld id="{BE18A7E3-0F1A-41B4-A8A5-C028AD48927C}" type="datetime1">
               <a:rPr lang="en-US" smtClean="0"/>
               <a:pPr/>
-              <a:t>7/21/2024</a:t>
+              <a:t>9/1/2024</a:t>
             </a:fld>
             <a:endParaRPr lang="en-US" dirty="0"/>
           </a:p>
@@ -38962,7 +39046,7 @@
             <a:fld id="{2218C6FB-87CD-49EA-A0B8-02F3807F2FF4}" type="datetime1">
               <a:rPr lang="en-US" smtClean="0"/>
               <a:pPr/>
-              <a:t>7/21/2024</a:t>
+              <a:t>9/1/2024</a:t>
             </a:fld>
             <a:endParaRPr lang="en-US" dirty="0"/>
           </a:p>
@@ -39097,6 +39181,62 @@
           <a:noFill/>
         </p:spPr>
       </p:pic>
+      <p:sp>
+        <p:nvSpPr>
+          <p:cNvPr id="10" name="Rectangle 9"/>
+          <p:cNvSpPr/>
+          <p:nvPr/>
+        </p:nvSpPr>
+        <p:spPr>
+          <a:xfrm>
+            <a:off x="7286644" y="5143516"/>
+            <a:ext cx="1785950" cy="142876"/>
+          </a:xfrm>
+          <a:prstGeom prst="rect">
+            <a:avLst/>
+          </a:prstGeom>
+          <a:noFill/>
+          <a:ln>
+            <a:noFill/>
+          </a:ln>
+        </p:spPr>
+        <p:style>
+          <a:lnRef idx="2">
+            <a:schemeClr val="accent1">
+              <a:shade val="50000"/>
+            </a:schemeClr>
+          </a:lnRef>
+          <a:fillRef idx="1">
+            <a:schemeClr val="accent1"/>
+          </a:fillRef>
+          <a:effectRef idx="0">
+            <a:schemeClr val="accent1"/>
+          </a:effectRef>
+          <a:fontRef idx="minor">
+            <a:schemeClr val="lt1"/>
+          </a:fontRef>
+        </p:style>
+        <p:txBody>
+          <a:bodyPr rtlCol="0" anchor="ctr"/>
+          <a:lstStyle/>
+          <a:p>
+            <a:pPr algn="ctr"/>
+            <a:r>
+              <a:rPr lang="en-IN" sz="900" dirty="0" smtClean="0">
+                <a:solidFill>
+                  <a:srgbClr val="FF0000"/>
+                </a:solidFill>
+              </a:rPr>
+              <a:t>Image courtesy: Audemars Piguet</a:t>
+            </a:r>
+            <a:endParaRPr lang="en-IN" sz="900" dirty="0">
+              <a:solidFill>
+                <a:srgbClr val="FF0000"/>
+              </a:solidFill>
+            </a:endParaRPr>
+          </a:p>
+        </p:txBody>
+      </p:sp>
     </p:spTree>
   </p:cSld>
   <p:clrMapOvr>
@@ -39184,7 +39324,7 @@
             <a:fld id="{2218C6FB-87CD-49EA-A0B8-02F3807F2FF4}" type="datetime1">
               <a:rPr lang="en-US" smtClean="0"/>
               <a:pPr/>
-              <a:t>7/21/2024</a:t>
+              <a:t>9/1/2024</a:t>
             </a:fld>
             <a:endParaRPr lang="en-US" dirty="0"/>
           </a:p>
@@ -39375,6 +39515,62 @@
           <a:noFill/>
         </p:spPr>
       </p:pic>
+      <p:sp>
+        <p:nvSpPr>
+          <p:cNvPr id="11" name="Rectangle 10"/>
+          <p:cNvSpPr/>
+          <p:nvPr/>
+        </p:nvSpPr>
+        <p:spPr>
+          <a:xfrm>
+            <a:off x="7286644" y="5143516"/>
+            <a:ext cx="1785950" cy="142876"/>
+          </a:xfrm>
+          <a:prstGeom prst="rect">
+            <a:avLst/>
+          </a:prstGeom>
+          <a:noFill/>
+          <a:ln>
+            <a:noFill/>
+          </a:ln>
+        </p:spPr>
+        <p:style>
+          <a:lnRef idx="2">
+            <a:schemeClr val="accent1">
+              <a:shade val="50000"/>
+            </a:schemeClr>
+          </a:lnRef>
+          <a:fillRef idx="1">
+            <a:schemeClr val="accent1"/>
+          </a:fillRef>
+          <a:effectRef idx="0">
+            <a:schemeClr val="accent1"/>
+          </a:effectRef>
+          <a:fontRef idx="minor">
+            <a:schemeClr val="lt1"/>
+          </a:fontRef>
+        </p:style>
+        <p:txBody>
+          <a:bodyPr rtlCol="0" anchor="ctr"/>
+          <a:lstStyle/>
+          <a:p>
+            <a:pPr algn="ctr"/>
+            <a:r>
+              <a:rPr lang="en-IN" sz="900" dirty="0" smtClean="0">
+                <a:solidFill>
+                  <a:srgbClr val="FF0000"/>
+                </a:solidFill>
+              </a:rPr>
+              <a:t>Image courtesy: Audemars Piguet</a:t>
+            </a:r>
+            <a:endParaRPr lang="en-IN" sz="900" dirty="0">
+              <a:solidFill>
+                <a:srgbClr val="FF0000"/>
+              </a:solidFill>
+            </a:endParaRPr>
+          </a:p>
+        </p:txBody>
+      </p:sp>
     </p:spTree>
   </p:cSld>
   <p:clrMapOvr>
@@ -39462,7 +39658,7 @@
             <a:fld id="{B62DE450-3731-4FAA-B1A4-262C0CF065F4}" type="datetime1">
               <a:rPr lang="en-US" smtClean="0"/>
               <a:pPr/>
-              <a:t>7/21/2024</a:t>
+              <a:t>9/1/2024</a:t>
             </a:fld>
             <a:endParaRPr lang="en-US"/>
           </a:p>
@@ -39567,6 +39763,62 @@
           <a:noFill/>
         </p:spPr>
       </p:pic>
+      <p:sp>
+        <p:nvSpPr>
+          <p:cNvPr id="8" name="Rectangle 7"/>
+          <p:cNvSpPr/>
+          <p:nvPr/>
+        </p:nvSpPr>
+        <p:spPr>
+          <a:xfrm>
+            <a:off x="7286644" y="5143516"/>
+            <a:ext cx="1785950" cy="142876"/>
+          </a:xfrm>
+          <a:prstGeom prst="rect">
+            <a:avLst/>
+          </a:prstGeom>
+          <a:noFill/>
+          <a:ln>
+            <a:noFill/>
+          </a:ln>
+        </p:spPr>
+        <p:style>
+          <a:lnRef idx="2">
+            <a:schemeClr val="accent1">
+              <a:shade val="50000"/>
+            </a:schemeClr>
+          </a:lnRef>
+          <a:fillRef idx="1">
+            <a:schemeClr val="accent1"/>
+          </a:fillRef>
+          <a:effectRef idx="0">
+            <a:schemeClr val="accent1"/>
+          </a:effectRef>
+          <a:fontRef idx="minor">
+            <a:schemeClr val="lt1"/>
+          </a:fontRef>
+        </p:style>
+        <p:txBody>
+          <a:bodyPr rtlCol="0" anchor="ctr"/>
+          <a:lstStyle/>
+          <a:p>
+            <a:pPr algn="ctr"/>
+            <a:r>
+              <a:rPr lang="en-IN" sz="900" dirty="0" smtClean="0">
+                <a:solidFill>
+                  <a:srgbClr val="FF0000"/>
+                </a:solidFill>
+              </a:rPr>
+              <a:t>Image courtesy: Audemars Piguet</a:t>
+            </a:r>
+            <a:endParaRPr lang="en-IN" sz="900" dirty="0">
+              <a:solidFill>
+                <a:srgbClr val="FF0000"/>
+              </a:solidFill>
+            </a:endParaRPr>
+          </a:p>
+        </p:txBody>
+      </p:sp>
     </p:spTree>
   </p:cSld>
   <p:clrMapOvr>
@@ -39724,7 +39976,15 @@
             <a:pPr algn="just"/>
             <a:r>
               <a:rPr lang="en-IN" sz="1400" dirty="0" smtClean="0"/>
-              <a:t>The initial variant will be powered by 3V CMOS battery. Upcoming versions may opt for rechargeable battery.</a:t>
+              <a:t>The initial variant will be powered by 3V </a:t>
+            </a:r>
+            <a:r>
+              <a:rPr lang="en-IN" sz="1400" smtClean="0"/>
+              <a:t>Coin cell. </a:t>
+            </a:r>
+            <a:r>
+              <a:rPr lang="en-IN" sz="1400" dirty="0" smtClean="0"/>
+              <a:t>Later versions may opt for rechargeable battery.</a:t>
             </a:r>
           </a:p>
         </p:txBody>
@@ -39747,7 +40007,7 @@
             <a:fld id="{EF8ADC9B-4464-40B7-B80F-1D154D9536C1}" type="datetime1">
               <a:rPr lang="en-US" smtClean="0"/>
               <a:pPr/>
-              <a:t>7/21/2024</a:t>
+              <a:t>9/1/2024</a:t>
             </a:fld>
             <a:endParaRPr lang="en-US" dirty="0"/>
           </a:p>
@@ -40201,7 +40461,7 @@
             <a:fld id="{8D12EC46-F5D3-4572-AED1-9CCC8CB80B60}" type="datetime1">
               <a:rPr lang="en-US" smtClean="0"/>
               <a:pPr/>
-              <a:t>7/21/2024</a:t>
+              <a:t>9/1/2024</a:t>
             </a:fld>
             <a:endParaRPr lang="en-US" dirty="0"/>
           </a:p>
@@ -47727,7 +47987,7 @@
             <a:fld id="{B62DE450-3731-4FAA-B1A4-262C0CF065F4}" type="datetime1">
               <a:rPr lang="en-US" smtClean="0"/>
               <a:pPr/>
-              <a:t>7/21/2024</a:t>
+              <a:t>9/1/2024</a:t>
             </a:fld>
             <a:endParaRPr lang="en-US"/>
           </a:p>
